--- a/Documentation/Images/cm_architecture.pptx
+++ b/Documentation/Images/cm_architecture.pptx
@@ -200,7 +200,7 @@
           <a:p>
             <a:fld id="{53318A2E-ADE1-4DCC-AB56-739F46C27DA4}" type="datetimeFigureOut">
               <a:rPr kumimoji="1" lang="ja-JP" altLang="en-US" smtClean="0"/>
-              <a:t>2021/3/4</a:t>
+              <a:t>2021/3/8</a:t>
             </a:fld>
             <a:endParaRPr kumimoji="1" lang="ja-JP" altLang="en-US"/>
           </a:p>
@@ -693,7 +693,7 @@
                 <a:tabLst/>
                 <a:defRPr/>
               </a:pPr>
-              <a:t>3/4/2021 3:45 PM</a:t>
+              <a:t>3/8/2021 7:13 PM</a:t>
             </a:fld>
             <a:endParaRPr kumimoji="0" lang="en-US" sz="1200" b="0" i="0" u="none" strike="noStrike" kern="1200" cap="none" spc="0" normalizeH="0" baseline="0" noProof="0" dirty="0">
               <a:ln>
@@ -1002,7 +1002,7 @@
                 <a:tabLst/>
                 <a:defRPr/>
               </a:pPr>
-              <a:t>3/4/2021 3:44 PM</a:t>
+              <a:t>3/8/2021 7:13 PM</a:t>
             </a:fld>
             <a:endParaRPr kumimoji="0" lang="en-US" sz="1200" b="0" i="0" u="none" strike="noStrike" kern="1200" cap="none" spc="0" normalizeH="0" baseline="0" noProof="0" dirty="0">
               <a:ln>
@@ -1264,7 +1264,7 @@
           <a:p>
             <a:fld id="{88B6A4D1-4066-4843-BD78-9522070CCD86}" type="datetimeFigureOut">
               <a:rPr kumimoji="1" lang="ja-JP" altLang="en-US" smtClean="0"/>
-              <a:t>2021/3/4</a:t>
+              <a:t>2021/3/8</a:t>
             </a:fld>
             <a:endParaRPr kumimoji="1" lang="ja-JP" altLang="en-US"/>
           </a:p>
@@ -1494,7 +1494,7 @@
           <a:p>
             <a:fld id="{88B6A4D1-4066-4843-BD78-9522070CCD86}" type="datetimeFigureOut">
               <a:rPr kumimoji="1" lang="ja-JP" altLang="en-US" smtClean="0"/>
-              <a:t>2021/3/4</a:t>
+              <a:t>2021/3/8</a:t>
             </a:fld>
             <a:endParaRPr kumimoji="1" lang="ja-JP" altLang="en-US"/>
           </a:p>
@@ -1734,7 +1734,7 @@
           <a:p>
             <a:fld id="{88B6A4D1-4066-4843-BD78-9522070CCD86}" type="datetimeFigureOut">
               <a:rPr kumimoji="1" lang="ja-JP" altLang="en-US" smtClean="0"/>
-              <a:t>2021/3/4</a:t>
+              <a:t>2021/3/8</a:t>
             </a:fld>
             <a:endParaRPr kumimoji="1" lang="ja-JP" altLang="en-US"/>
           </a:p>
@@ -3537,7 +3537,7 @@
           <a:p>
             <a:fld id="{88B6A4D1-4066-4843-BD78-9522070CCD86}" type="datetimeFigureOut">
               <a:rPr kumimoji="1" lang="ja-JP" altLang="en-US" smtClean="0"/>
-              <a:t>2021/3/4</a:t>
+              <a:t>2021/3/8</a:t>
             </a:fld>
             <a:endParaRPr kumimoji="1" lang="ja-JP" altLang="en-US"/>
           </a:p>
@@ -5535,7 +5535,7 @@
           <a:p>
             <a:fld id="{88B6A4D1-4066-4843-BD78-9522070CCD86}" type="datetimeFigureOut">
               <a:rPr kumimoji="1" lang="ja-JP" altLang="en-US" smtClean="0"/>
-              <a:t>2021/3/4</a:t>
+              <a:t>2021/3/8</a:t>
             </a:fld>
             <a:endParaRPr kumimoji="1" lang="ja-JP" altLang="en-US"/>
           </a:p>
@@ -5926,7 +5926,7 @@
           <a:p>
             <a:fld id="{88B6A4D1-4066-4843-BD78-9522070CCD86}" type="datetimeFigureOut">
               <a:rPr kumimoji="1" lang="ja-JP" altLang="en-US" smtClean="0"/>
-              <a:t>2021/3/4</a:t>
+              <a:t>2021/3/8</a:t>
             </a:fld>
             <a:endParaRPr kumimoji="1" lang="ja-JP" altLang="en-US"/>
           </a:p>
@@ -6402,7 +6402,7 @@
           <a:p>
             <a:fld id="{88B6A4D1-4066-4843-BD78-9522070CCD86}" type="datetimeFigureOut">
               <a:rPr kumimoji="1" lang="ja-JP" altLang="en-US" smtClean="0"/>
-              <a:t>2021/3/4</a:t>
+              <a:t>2021/3/8</a:t>
             </a:fld>
             <a:endParaRPr kumimoji="1" lang="ja-JP" altLang="en-US"/>
           </a:p>
@@ -6543,7 +6543,7 @@
           <a:p>
             <a:fld id="{88B6A4D1-4066-4843-BD78-9522070CCD86}" type="datetimeFigureOut">
               <a:rPr kumimoji="1" lang="ja-JP" altLang="en-US" smtClean="0"/>
-              <a:t>2021/3/4</a:t>
+              <a:t>2021/3/8</a:t>
             </a:fld>
             <a:endParaRPr kumimoji="1" lang="ja-JP" altLang="en-US"/>
           </a:p>
@@ -6656,7 +6656,7 @@
           <a:p>
             <a:fld id="{88B6A4D1-4066-4843-BD78-9522070CCD86}" type="datetimeFigureOut">
               <a:rPr kumimoji="1" lang="ja-JP" altLang="en-US" smtClean="0"/>
-              <a:t>2021/3/4</a:t>
+              <a:t>2021/3/8</a:t>
             </a:fld>
             <a:endParaRPr kumimoji="1" lang="ja-JP" altLang="en-US"/>
           </a:p>
@@ -6999,7 +6999,7 @@
           <a:p>
             <a:fld id="{88B6A4D1-4066-4843-BD78-9522070CCD86}" type="datetimeFigureOut">
               <a:rPr kumimoji="1" lang="ja-JP" altLang="en-US" smtClean="0"/>
-              <a:t>2021/3/4</a:t>
+              <a:t>2021/3/8</a:t>
             </a:fld>
             <a:endParaRPr kumimoji="1" lang="ja-JP" altLang="en-US"/>
           </a:p>
@@ -7287,7 +7287,7 @@
           <a:p>
             <a:fld id="{88B6A4D1-4066-4843-BD78-9522070CCD86}" type="datetimeFigureOut">
               <a:rPr kumimoji="1" lang="ja-JP" altLang="en-US" smtClean="0"/>
-              <a:t>2021/3/4</a:t>
+              <a:t>2021/3/8</a:t>
             </a:fld>
             <a:endParaRPr kumimoji="1" lang="ja-JP" altLang="en-US"/>
           </a:p>
@@ -7560,7 +7560,7 @@
           <a:p>
             <a:fld id="{88B6A4D1-4066-4843-BD78-9522070CCD86}" type="datetimeFigureOut">
               <a:rPr kumimoji="1" lang="ja-JP" altLang="en-US" smtClean="0"/>
-              <a:t>2021/3/4</a:t>
+              <a:t>2021/3/8</a:t>
             </a:fld>
             <a:endParaRPr kumimoji="1" lang="ja-JP" altLang="en-US"/>
           </a:p>
@@ -11926,8 +11926,8 @@
         </p:nvSpPr>
         <p:spPr>
           <a:xfrm>
-            <a:off x="9751267" y="5952314"/>
-            <a:ext cx="1561119" cy="505101"/>
+            <a:off x="10017897" y="5938754"/>
+            <a:ext cx="974419" cy="720545"/>
           </a:xfrm>
           <a:prstGeom prst="rect">
             <a:avLst/>
@@ -11948,7 +11948,19 @@
                 <a:latin typeface="Segoe UI"/>
                 <a:ea typeface="Yu Gothic UI"/>
               </a:rPr>
-              <a:t>GitHub Actions</a:t>
+              <a:t>GitHub</a:t>
+            </a:r>
+          </a:p>
+          <a:p>
+            <a:pPr algn="ctr" defTabSz="896354">
+              <a:defRPr/>
+            </a:pPr>
+            <a:r>
+              <a:rPr kumimoji="0" lang="en-US" sz="1400" kern="0" dirty="0">
+                <a:latin typeface="Segoe UI"/>
+                <a:ea typeface="Yu Gothic UI"/>
+              </a:rPr>
+              <a:t>Actions</a:t>
             </a:r>
           </a:p>
         </p:txBody>
@@ -13769,8 +13781,8 @@
         </p:nvSpPr>
         <p:spPr>
           <a:xfrm>
-            <a:off x="6393679" y="5936665"/>
-            <a:ext cx="1561119" cy="505101"/>
+            <a:off x="7105228" y="5944218"/>
+            <a:ext cx="948771" cy="720545"/>
           </a:xfrm>
           <a:prstGeom prst="rect">
             <a:avLst/>
@@ -13791,11 +13803,76 @@
                 <a:latin typeface="Segoe UI"/>
                 <a:ea typeface="Yu Gothic UI"/>
               </a:rPr>
-              <a:t>GitHub Actions</a:t>
+              <a:t>GitHub</a:t>
+            </a:r>
+          </a:p>
+          <a:p>
+            <a:pPr algn="ctr" defTabSz="896354">
+              <a:defRPr/>
+            </a:pPr>
+            <a:r>
+              <a:rPr kumimoji="0" lang="en-US" sz="1400" kern="0" dirty="0">
+                <a:latin typeface="Segoe UI"/>
+                <a:ea typeface="Yu Gothic UI"/>
+              </a:rPr>
+              <a:t>Actions</a:t>
             </a:r>
           </a:p>
         </p:txBody>
       </p:sp>
+      <p:cxnSp>
+        <p:nvCxnSpPr>
+          <p:cNvPr id="5" name="コネクタ: カギ線 4">
+            <a:extLst>
+              <a:ext uri="{FF2B5EF4-FFF2-40B4-BE49-F238E27FC236}">
+                <a16:creationId xmlns:a16="http://schemas.microsoft.com/office/drawing/2014/main" id="{80A2A592-83C9-4CA8-A1BA-BC49DBCCA2DA}"/>
+              </a:ext>
+            </a:extLst>
+          </p:cNvPr>
+          <p:cNvCxnSpPr>
+            <a:cxnSpLocks/>
+            <a:stCxn id="34" idx="1"/>
+            <a:endCxn id="135" idx="2"/>
+          </p:cNvCxnSpPr>
+          <p:nvPr/>
+        </p:nvCxnSpPr>
+        <p:spPr>
+          <a:xfrm rot="10800000" flipV="1">
+            <a:off x="3813106" y="6014423"/>
+            <a:ext cx="4820739" cy="290067"/>
+          </a:xfrm>
+          <a:prstGeom prst="bentConnector4">
+            <a:avLst>
+              <a:gd name="adj1" fmla="val 30257"/>
+              <a:gd name="adj2" fmla="val 178809"/>
+            </a:avLst>
+          </a:prstGeom>
+          <a:ln w="28575">
+            <a:solidFill>
+              <a:schemeClr val="bg1">
+                <a:lumMod val="50000"/>
+              </a:schemeClr>
+            </a:solidFill>
+            <a:prstDash val="sysDash"/>
+            <a:headEnd type="none" w="med" len="med"/>
+            <a:tailEnd type="arrow" w="med" len="med"/>
+          </a:ln>
+        </p:spPr>
+        <p:style>
+          <a:lnRef idx="1">
+            <a:schemeClr val="accent1"/>
+          </a:lnRef>
+          <a:fillRef idx="0">
+            <a:schemeClr val="accent1"/>
+          </a:fillRef>
+          <a:effectRef idx="0">
+            <a:schemeClr val="accent1"/>
+          </a:effectRef>
+          <a:fontRef idx="minor">
+            <a:schemeClr val="tx1"/>
+          </a:fontRef>
+        </p:style>
+      </p:cxnSp>
     </p:spTree>
     <p:extLst>
       <p:ext uri="{BB962C8B-B14F-4D97-AF65-F5344CB8AC3E}">
